--- a/posterPresentation/posterPresentation.pptx
+++ b/posterPresentation/posterPresentation.pptx
@@ -7,6 +7,14 @@
   <p:sldIdLst>
     <p:sldId id="256" r:id="rId3"/>
     <p:sldId id="257" r:id="rId4"/>
+    <p:sldId id="258" r:id="rId5"/>
+    <p:sldId id="259" r:id="rId6"/>
+    <p:sldId id="260" r:id="rId7"/>
+    <p:sldId id="261" r:id="rId8"/>
+    <p:sldId id="262" r:id="rId9"/>
+    <p:sldId id="263" r:id="rId10"/>
+    <p:sldId id="264" r:id="rId11"/>
+    <p:sldId id="265" r:id="rId12"/>
   </p:sldIdLst>
   <p:sldSz cx="10080625" cy="7559675"/>
   <p:notesSz cx="7559675" cy="10691812"/>
@@ -1360,7 +1368,7 @@
           <a:bodyPr bIns="0" lIns="0" rIns="0" tIns="0" wrap="none"/>
           <a:p>
             <a:pPr algn="r"/>
-            <a:fld id="{11515131-2171-4131-91D1-E18191411151}" type="slidenum">
+            <a:fld id="{51A15161-9121-41A1-A1F1-4181E131D151}" type="slidenum">
               <a:rPr lang="en-GB"/>
               <a:t>&lt;number&gt;</a:t>
             </a:fld>
@@ -1488,6 +1496,115 @@
           <p:childTnLst>
             <p:seq>
               <p:cTn id="2" nodeType="mainSeq">
+                <p:childTnLst/>
+              </p:cTn>
+              <p:prevCondLst>
+                <p:cond delay="0" evt="onPrev">
+                  <p:tgtEl>
+                    <p:sldTgt/>
+                  </p:tgtEl>
+                </p:cond>
+              </p:prevCondLst>
+              <p:nextCondLst>
+                <p:cond delay="0" evt="onNext">
+                  <p:tgtEl>
+                    <p:sldTgt/>
+                  </p:tgtEl>
+                </p:cond>
+              </p:nextCondLst>
+            </p:seq>
+          </p:childTnLst>
+        </p:cTn>
+      </p:par>
+    </p:tnLst>
+  </p:timing>
+</p:sld>
+</file>
+
+<file path=ppt/slides/slide10.xml><?xml version="1.0" encoding="utf-8"?>
+<p:sld xmlns:a="http://schemas.openxmlformats.org/drawingml/2006/main" xmlns:p="http://schemas.openxmlformats.org/presentationml/2006/main" xmlns:r="http://schemas.openxmlformats.org/officeDocument/2006/relationships">
+  <p:cSld>
+    <p:spTree>
+      <p:nvGrpSpPr>
+        <p:cNvPr id="1" name=""/>
+        <p:cNvGrpSpPr/>
+        <p:nvPr/>
+      </p:nvGrpSpPr>
+      <p:grpSpPr>
+        <a:xfrm>
+          <a:off x="0" y="0"/>
+          <a:ext cx="0" cy="0"/>
+          <a:chOff x="0" y="0"/>
+          <a:chExt cx="0" cy="0"/>
+        </a:xfrm>
+      </p:grpSpPr>
+      <p:sp>
+        <p:nvSpPr>
+          <p:cNvPr id="55" name="TextShape 1"/>
+          <p:cNvSpPr txBox="1"/>
+          <p:nvPr/>
+        </p:nvSpPr>
+        <p:spPr>
+          <a:xfrm>
+            <a:off x="504000" y="301320"/>
+            <a:ext cx="9071640" cy="1262160"/>
+          </a:xfrm>
+          <a:prstGeom prst="rect">
+            <a:avLst/>
+          </a:prstGeom>
+        </p:spPr>
+        <p:txBody>
+          <a:bodyPr anchor="ctr" bIns="0" lIns="0" rIns="0" tIns="0" wrap="none"/>
+          <a:p>
+            <a:pPr algn="ctr"/>
+            <a:r>
+              <a:rPr lang="en-GB"/>
+              <a:t>Project Plan (2)</a:t>
+            </a:r>
+            <a:endParaRPr/>
+          </a:p>
+        </p:txBody>
+      </p:sp>
+      <p:sp>
+        <p:nvSpPr>
+          <p:cNvPr id="56" name="TextShape 2"/>
+          <p:cNvSpPr txBox="1"/>
+          <p:nvPr/>
+        </p:nvSpPr>
+        <p:spPr>
+          <a:xfrm>
+            <a:off x="504000" y="1769040"/>
+            <a:ext cx="8870040" cy="4384440"/>
+          </a:xfrm>
+          <a:prstGeom prst="rect">
+            <a:avLst/>
+          </a:prstGeom>
+        </p:spPr>
+        <p:txBody>
+          <a:bodyPr bIns="0" lIns="0" rIns="0" tIns="0" wrap="none"/>
+          <a:p>
+            <a:pPr>
+              <a:buSzPct val="45000"/>
+              <a:buFont typeface="StarSymbol"/>
+              <a:buChar char=""/>
+            </a:pPr>
+            <a:r>
+              <a:rPr lang="en-GB"/>
+              <a:t>&lt;insert text&gt;</a:t>
+            </a:r>
+            <a:endParaRPr/>
+          </a:p>
+        </p:txBody>
+      </p:sp>
+    </p:spTree>
+  </p:cSld>
+  <p:timing>
+    <p:tnLst>
+      <p:par>
+        <p:cTn dur="indefinite" id="19" nodeType="tmRoot" restart="never">
+          <p:childTnLst>
+            <p:seq>
+              <p:cTn id="20" nodeType="mainSeq">
                 <p:childTnLst/>
               </p:cTn>
               <p:prevCondLst>
@@ -1693,6 +1810,769 @@
           <p:childTnLst>
             <p:seq>
               <p:cTn id="4" nodeType="mainSeq">
+                <p:childTnLst/>
+              </p:cTn>
+              <p:prevCondLst>
+                <p:cond delay="0" evt="onPrev">
+                  <p:tgtEl>
+                    <p:sldTgt/>
+                  </p:tgtEl>
+                </p:cond>
+              </p:prevCondLst>
+              <p:nextCondLst>
+                <p:cond delay="0" evt="onNext">
+                  <p:tgtEl>
+                    <p:sldTgt/>
+                  </p:tgtEl>
+                </p:cond>
+              </p:nextCondLst>
+            </p:seq>
+          </p:childTnLst>
+        </p:cTn>
+      </p:par>
+    </p:tnLst>
+  </p:timing>
+</p:sld>
+</file>
+
+<file path=ppt/slides/slide3.xml><?xml version="1.0" encoding="utf-8"?>
+<p:sld xmlns:a="http://schemas.openxmlformats.org/drawingml/2006/main" xmlns:p="http://schemas.openxmlformats.org/presentationml/2006/main" xmlns:r="http://schemas.openxmlformats.org/officeDocument/2006/relationships">
+  <p:cSld>
+    <p:spTree>
+      <p:nvGrpSpPr>
+        <p:cNvPr id="1" name=""/>
+        <p:cNvGrpSpPr/>
+        <p:nvPr/>
+      </p:nvGrpSpPr>
+      <p:grpSpPr>
+        <a:xfrm>
+          <a:off x="0" y="0"/>
+          <a:ext cx="0" cy="0"/>
+          <a:chOff x="0" y="0"/>
+          <a:chExt cx="0" cy="0"/>
+        </a:xfrm>
+      </p:grpSpPr>
+      <p:sp>
+        <p:nvSpPr>
+          <p:cNvPr id="41" name="TextShape 1"/>
+          <p:cNvSpPr txBox="1"/>
+          <p:nvPr/>
+        </p:nvSpPr>
+        <p:spPr>
+          <a:xfrm>
+            <a:off x="504000" y="301320"/>
+            <a:ext cx="9071640" cy="1262160"/>
+          </a:xfrm>
+          <a:prstGeom prst="rect">
+            <a:avLst/>
+          </a:prstGeom>
+        </p:spPr>
+        <p:txBody>
+          <a:bodyPr anchor="ctr" bIns="0" lIns="0" rIns="0" tIns="0" wrap="none"/>
+          <a:p>
+            <a:pPr algn="ctr"/>
+            <a:r>
+              <a:rPr lang="en-GB"/>
+              <a:t>Background Study</a:t>
+            </a:r>
+            <a:endParaRPr/>
+          </a:p>
+        </p:txBody>
+      </p:sp>
+      <p:sp>
+        <p:nvSpPr>
+          <p:cNvPr id="42" name="TextShape 2"/>
+          <p:cNvSpPr txBox="1"/>
+          <p:nvPr/>
+        </p:nvSpPr>
+        <p:spPr>
+          <a:xfrm>
+            <a:off x="504000" y="1769040"/>
+            <a:ext cx="8870040" cy="4384440"/>
+          </a:xfrm>
+          <a:prstGeom prst="rect">
+            <a:avLst/>
+          </a:prstGeom>
+        </p:spPr>
+        <p:txBody>
+          <a:bodyPr bIns="0" lIns="0" rIns="0" tIns="0" wrap="none"/>
+          <a:p>
+            <a:pPr>
+              <a:buSzPct val="45000"/>
+              <a:buFont typeface="StarSymbol"/>
+              <a:buChar char=""/>
+            </a:pPr>
+            <a:r>
+              <a:rPr lang="en-GB"/>
+              <a:t>&lt;insert text&gt;</a:t>
+            </a:r>
+            <a:endParaRPr/>
+          </a:p>
+        </p:txBody>
+      </p:sp>
+    </p:spTree>
+  </p:cSld>
+  <p:timing>
+    <p:tnLst>
+      <p:par>
+        <p:cTn dur="indefinite" id="5" nodeType="tmRoot" restart="never">
+          <p:childTnLst>
+            <p:seq>
+              <p:cTn id="6" nodeType="mainSeq">
+                <p:childTnLst/>
+              </p:cTn>
+              <p:prevCondLst>
+                <p:cond delay="0" evt="onPrev">
+                  <p:tgtEl>
+                    <p:sldTgt/>
+                  </p:tgtEl>
+                </p:cond>
+              </p:prevCondLst>
+              <p:nextCondLst>
+                <p:cond delay="0" evt="onNext">
+                  <p:tgtEl>
+                    <p:sldTgt/>
+                  </p:tgtEl>
+                </p:cond>
+              </p:nextCondLst>
+            </p:seq>
+          </p:childTnLst>
+        </p:cTn>
+      </p:par>
+    </p:tnLst>
+  </p:timing>
+</p:sld>
+</file>
+
+<file path=ppt/slides/slide4.xml><?xml version="1.0" encoding="utf-8"?>
+<p:sld xmlns:a="http://schemas.openxmlformats.org/drawingml/2006/main" xmlns:p="http://schemas.openxmlformats.org/presentationml/2006/main" xmlns:r="http://schemas.openxmlformats.org/officeDocument/2006/relationships">
+  <p:cSld>
+    <p:spTree>
+      <p:nvGrpSpPr>
+        <p:cNvPr id="1" name=""/>
+        <p:cNvGrpSpPr/>
+        <p:nvPr/>
+      </p:nvGrpSpPr>
+      <p:grpSpPr>
+        <a:xfrm>
+          <a:off x="0" y="0"/>
+          <a:ext cx="0" cy="0"/>
+          <a:chOff x="0" y="0"/>
+          <a:chExt cx="0" cy="0"/>
+        </a:xfrm>
+      </p:grpSpPr>
+      <p:sp>
+        <p:nvSpPr>
+          <p:cNvPr id="43" name="TextShape 1"/>
+          <p:cNvSpPr txBox="1"/>
+          <p:nvPr/>
+        </p:nvSpPr>
+        <p:spPr>
+          <a:xfrm>
+            <a:off x="504000" y="301320"/>
+            <a:ext cx="9071640" cy="1262160"/>
+          </a:xfrm>
+          <a:prstGeom prst="rect">
+            <a:avLst/>
+          </a:prstGeom>
+        </p:spPr>
+        <p:txBody>
+          <a:bodyPr anchor="ctr" bIns="0" lIns="0" rIns="0" tIns="0" wrap="none"/>
+          <a:p>
+            <a:pPr algn="ctr"/>
+            <a:r>
+              <a:rPr lang="en-GB"/>
+              <a:t>Specification and Requirements</a:t>
+            </a:r>
+            <a:endParaRPr/>
+          </a:p>
+        </p:txBody>
+      </p:sp>
+      <p:sp>
+        <p:nvSpPr>
+          <p:cNvPr id="44" name="TextShape 2"/>
+          <p:cNvSpPr txBox="1"/>
+          <p:nvPr/>
+        </p:nvSpPr>
+        <p:spPr>
+          <a:xfrm>
+            <a:off x="504000" y="1769040"/>
+            <a:ext cx="8870040" cy="4384440"/>
+          </a:xfrm>
+          <a:prstGeom prst="rect">
+            <a:avLst/>
+          </a:prstGeom>
+        </p:spPr>
+        <p:txBody>
+          <a:bodyPr bIns="0" lIns="0" rIns="0" tIns="0" wrap="none"/>
+          <a:p>
+            <a:pPr>
+              <a:buSzPct val="45000"/>
+              <a:buFont typeface="StarSymbol"/>
+              <a:buChar char=""/>
+            </a:pPr>
+            <a:r>
+              <a:rPr lang="en-GB"/>
+              <a:t>&lt;insert text&gt;</a:t>
+            </a:r>
+            <a:endParaRPr/>
+          </a:p>
+        </p:txBody>
+      </p:sp>
+    </p:spTree>
+  </p:cSld>
+  <p:timing>
+    <p:tnLst>
+      <p:par>
+        <p:cTn dur="indefinite" id="7" nodeType="tmRoot" restart="never">
+          <p:childTnLst>
+            <p:seq>
+              <p:cTn id="8" nodeType="mainSeq">
+                <p:childTnLst/>
+              </p:cTn>
+              <p:prevCondLst>
+                <p:cond delay="0" evt="onPrev">
+                  <p:tgtEl>
+                    <p:sldTgt/>
+                  </p:tgtEl>
+                </p:cond>
+              </p:prevCondLst>
+              <p:nextCondLst>
+                <p:cond delay="0" evt="onNext">
+                  <p:tgtEl>
+                    <p:sldTgt/>
+                  </p:tgtEl>
+                </p:cond>
+              </p:nextCondLst>
+            </p:seq>
+          </p:childTnLst>
+        </p:cTn>
+      </p:par>
+    </p:tnLst>
+  </p:timing>
+</p:sld>
+</file>
+
+<file path=ppt/slides/slide5.xml><?xml version="1.0" encoding="utf-8"?>
+<p:sld xmlns:a="http://schemas.openxmlformats.org/drawingml/2006/main" xmlns:p="http://schemas.openxmlformats.org/presentationml/2006/main" xmlns:r="http://schemas.openxmlformats.org/officeDocument/2006/relationships">
+  <p:cSld>
+    <p:spTree>
+      <p:nvGrpSpPr>
+        <p:cNvPr id="1" name=""/>
+        <p:cNvGrpSpPr/>
+        <p:nvPr/>
+      </p:nvGrpSpPr>
+      <p:grpSpPr>
+        <a:xfrm>
+          <a:off x="0" y="0"/>
+          <a:ext cx="0" cy="0"/>
+          <a:chOff x="0" y="0"/>
+          <a:chExt cx="0" cy="0"/>
+        </a:xfrm>
+      </p:grpSpPr>
+      <p:sp>
+        <p:nvSpPr>
+          <p:cNvPr id="45" name="TextShape 1"/>
+          <p:cNvSpPr txBox="1"/>
+          <p:nvPr/>
+        </p:nvSpPr>
+        <p:spPr>
+          <a:xfrm>
+            <a:off x="504000" y="301320"/>
+            <a:ext cx="9071640" cy="1262160"/>
+          </a:xfrm>
+          <a:prstGeom prst="rect">
+            <a:avLst/>
+          </a:prstGeom>
+        </p:spPr>
+        <p:txBody>
+          <a:bodyPr anchor="ctr" bIns="0" lIns="0" rIns="0" tIns="0" wrap="none"/>
+          <a:p>
+            <a:pPr algn="ctr"/>
+            <a:r>
+              <a:rPr lang="en-GB"/>
+              <a:t>Project Design</a:t>
+            </a:r>
+            <a:endParaRPr/>
+          </a:p>
+        </p:txBody>
+      </p:sp>
+      <p:sp>
+        <p:nvSpPr>
+          <p:cNvPr id="46" name="TextShape 2"/>
+          <p:cNvSpPr txBox="1"/>
+          <p:nvPr/>
+        </p:nvSpPr>
+        <p:spPr>
+          <a:xfrm>
+            <a:off x="504000" y="1769040"/>
+            <a:ext cx="8870040" cy="4384440"/>
+          </a:xfrm>
+          <a:prstGeom prst="rect">
+            <a:avLst/>
+          </a:prstGeom>
+        </p:spPr>
+        <p:txBody>
+          <a:bodyPr bIns="0" lIns="0" rIns="0" tIns="0" wrap="none"/>
+          <a:p>
+            <a:pPr>
+              <a:buSzPct val="45000"/>
+              <a:buFont typeface="StarSymbol"/>
+              <a:buChar char=""/>
+            </a:pPr>
+            <a:r>
+              <a:rPr lang="en-GB"/>
+              <a:t>&lt;insert text&gt;</a:t>
+            </a:r>
+            <a:endParaRPr/>
+          </a:p>
+        </p:txBody>
+      </p:sp>
+    </p:spTree>
+  </p:cSld>
+  <p:timing>
+    <p:tnLst>
+      <p:par>
+        <p:cTn dur="indefinite" id="9" nodeType="tmRoot" restart="never">
+          <p:childTnLst>
+            <p:seq>
+              <p:cTn id="10" nodeType="mainSeq">
+                <p:childTnLst/>
+              </p:cTn>
+              <p:prevCondLst>
+                <p:cond delay="0" evt="onPrev">
+                  <p:tgtEl>
+                    <p:sldTgt/>
+                  </p:tgtEl>
+                </p:cond>
+              </p:prevCondLst>
+              <p:nextCondLst>
+                <p:cond delay="0" evt="onNext">
+                  <p:tgtEl>
+                    <p:sldTgt/>
+                  </p:tgtEl>
+                </p:cond>
+              </p:nextCondLst>
+            </p:seq>
+          </p:childTnLst>
+        </p:cTn>
+      </p:par>
+    </p:tnLst>
+  </p:timing>
+</p:sld>
+</file>
+
+<file path=ppt/slides/slide6.xml><?xml version="1.0" encoding="utf-8"?>
+<p:sld xmlns:a="http://schemas.openxmlformats.org/drawingml/2006/main" xmlns:p="http://schemas.openxmlformats.org/presentationml/2006/main" xmlns:r="http://schemas.openxmlformats.org/officeDocument/2006/relationships">
+  <p:cSld>
+    <p:spTree>
+      <p:nvGrpSpPr>
+        <p:cNvPr id="1" name=""/>
+        <p:cNvGrpSpPr/>
+        <p:nvPr/>
+      </p:nvGrpSpPr>
+      <p:grpSpPr>
+        <a:xfrm>
+          <a:off x="0" y="0"/>
+          <a:ext cx="0" cy="0"/>
+          <a:chOff x="0" y="0"/>
+          <a:chExt cx="0" cy="0"/>
+        </a:xfrm>
+      </p:grpSpPr>
+      <p:sp>
+        <p:nvSpPr>
+          <p:cNvPr id="47" name="TextShape 1"/>
+          <p:cNvSpPr txBox="1"/>
+          <p:nvPr/>
+        </p:nvSpPr>
+        <p:spPr>
+          <a:xfrm>
+            <a:off x="504000" y="301320"/>
+            <a:ext cx="9071640" cy="1262160"/>
+          </a:xfrm>
+          <a:prstGeom prst="rect">
+            <a:avLst/>
+          </a:prstGeom>
+        </p:spPr>
+        <p:txBody>
+          <a:bodyPr anchor="ctr" bIns="0" lIns="0" rIns="0" tIns="0" wrap="none"/>
+          <a:p>
+            <a:pPr algn="ctr"/>
+            <a:r>
+              <a:rPr lang="en-GB"/>
+              <a:t>Implementation Status</a:t>
+            </a:r>
+            <a:endParaRPr/>
+          </a:p>
+        </p:txBody>
+      </p:sp>
+      <p:sp>
+        <p:nvSpPr>
+          <p:cNvPr id="48" name="TextShape 2"/>
+          <p:cNvSpPr txBox="1"/>
+          <p:nvPr/>
+        </p:nvSpPr>
+        <p:spPr>
+          <a:xfrm>
+            <a:off x="504000" y="1769040"/>
+            <a:ext cx="8870040" cy="4384440"/>
+          </a:xfrm>
+          <a:prstGeom prst="rect">
+            <a:avLst/>
+          </a:prstGeom>
+        </p:spPr>
+        <p:txBody>
+          <a:bodyPr bIns="0" lIns="0" rIns="0" tIns="0" wrap="none"/>
+          <a:p>
+            <a:pPr>
+              <a:buSzPct val="45000"/>
+              <a:buFont typeface="StarSymbol"/>
+              <a:buChar char=""/>
+            </a:pPr>
+            <a:r>
+              <a:rPr lang="en-GB"/>
+              <a:t>&lt;insert text&gt;</a:t>
+            </a:r>
+            <a:endParaRPr/>
+          </a:p>
+        </p:txBody>
+      </p:sp>
+    </p:spTree>
+  </p:cSld>
+  <p:timing>
+    <p:tnLst>
+      <p:par>
+        <p:cTn dur="indefinite" id="11" nodeType="tmRoot" restart="never">
+          <p:childTnLst>
+            <p:seq>
+              <p:cTn id="12" nodeType="mainSeq">
+                <p:childTnLst/>
+              </p:cTn>
+              <p:prevCondLst>
+                <p:cond delay="0" evt="onPrev">
+                  <p:tgtEl>
+                    <p:sldTgt/>
+                  </p:tgtEl>
+                </p:cond>
+              </p:prevCondLst>
+              <p:nextCondLst>
+                <p:cond delay="0" evt="onNext">
+                  <p:tgtEl>
+                    <p:sldTgt/>
+                  </p:tgtEl>
+                </p:cond>
+              </p:nextCondLst>
+            </p:seq>
+          </p:childTnLst>
+        </p:cTn>
+      </p:par>
+    </p:tnLst>
+  </p:timing>
+</p:sld>
+</file>
+
+<file path=ppt/slides/slide7.xml><?xml version="1.0" encoding="utf-8"?>
+<p:sld xmlns:a="http://schemas.openxmlformats.org/drawingml/2006/main" xmlns:p="http://schemas.openxmlformats.org/presentationml/2006/main" xmlns:r="http://schemas.openxmlformats.org/officeDocument/2006/relationships">
+  <p:cSld>
+    <p:spTree>
+      <p:nvGrpSpPr>
+        <p:cNvPr id="1" name=""/>
+        <p:cNvGrpSpPr/>
+        <p:nvPr/>
+      </p:nvGrpSpPr>
+      <p:grpSpPr>
+        <a:xfrm>
+          <a:off x="0" y="0"/>
+          <a:ext cx="0" cy="0"/>
+          <a:chOff x="0" y="0"/>
+          <a:chExt cx="0" cy="0"/>
+        </a:xfrm>
+      </p:grpSpPr>
+      <p:sp>
+        <p:nvSpPr>
+          <p:cNvPr id="49" name="TextShape 1"/>
+          <p:cNvSpPr txBox="1"/>
+          <p:nvPr/>
+        </p:nvSpPr>
+        <p:spPr>
+          <a:xfrm>
+            <a:off x="504000" y="301320"/>
+            <a:ext cx="9071640" cy="1262160"/>
+          </a:xfrm>
+          <a:prstGeom prst="rect">
+            <a:avLst/>
+          </a:prstGeom>
+        </p:spPr>
+        <p:txBody>
+          <a:bodyPr anchor="ctr" bIns="0" lIns="0" rIns="0" tIns="0" wrap="none"/>
+          <a:p>
+            <a:pPr algn="ctr"/>
+            <a:r>
+              <a:rPr lang="en-GB"/>
+              <a:t>Evaluation (1)</a:t>
+            </a:r>
+            <a:endParaRPr/>
+          </a:p>
+        </p:txBody>
+      </p:sp>
+      <p:sp>
+        <p:nvSpPr>
+          <p:cNvPr id="50" name="TextShape 2"/>
+          <p:cNvSpPr txBox="1"/>
+          <p:nvPr/>
+        </p:nvSpPr>
+        <p:spPr>
+          <a:xfrm>
+            <a:off x="504000" y="1769040"/>
+            <a:ext cx="8870040" cy="4384440"/>
+          </a:xfrm>
+          <a:prstGeom prst="rect">
+            <a:avLst/>
+          </a:prstGeom>
+        </p:spPr>
+        <p:txBody>
+          <a:bodyPr bIns="0" lIns="0" rIns="0" tIns="0" wrap="none"/>
+          <a:p>
+            <a:pPr>
+              <a:buSzPct val="45000"/>
+              <a:buFont typeface="StarSymbol"/>
+              <a:buChar char=""/>
+            </a:pPr>
+            <a:r>
+              <a:rPr lang="en-GB"/>
+              <a:t>&lt;insert text&gt;</a:t>
+            </a:r>
+            <a:endParaRPr/>
+          </a:p>
+        </p:txBody>
+      </p:sp>
+    </p:spTree>
+  </p:cSld>
+  <p:timing>
+    <p:tnLst>
+      <p:par>
+        <p:cTn dur="indefinite" id="13" nodeType="tmRoot" restart="never">
+          <p:childTnLst>
+            <p:seq>
+              <p:cTn id="14" nodeType="mainSeq">
+                <p:childTnLst/>
+              </p:cTn>
+              <p:prevCondLst>
+                <p:cond delay="0" evt="onPrev">
+                  <p:tgtEl>
+                    <p:sldTgt/>
+                  </p:tgtEl>
+                </p:cond>
+              </p:prevCondLst>
+              <p:nextCondLst>
+                <p:cond delay="0" evt="onNext">
+                  <p:tgtEl>
+                    <p:sldTgt/>
+                  </p:tgtEl>
+                </p:cond>
+              </p:nextCondLst>
+            </p:seq>
+          </p:childTnLst>
+        </p:cTn>
+      </p:par>
+    </p:tnLst>
+  </p:timing>
+</p:sld>
+</file>
+
+<file path=ppt/slides/slide8.xml><?xml version="1.0" encoding="utf-8"?>
+<p:sld xmlns:a="http://schemas.openxmlformats.org/drawingml/2006/main" xmlns:p="http://schemas.openxmlformats.org/presentationml/2006/main" xmlns:r="http://schemas.openxmlformats.org/officeDocument/2006/relationships">
+  <p:cSld>
+    <p:spTree>
+      <p:nvGrpSpPr>
+        <p:cNvPr id="1" name=""/>
+        <p:cNvGrpSpPr/>
+        <p:nvPr/>
+      </p:nvGrpSpPr>
+      <p:grpSpPr>
+        <a:xfrm>
+          <a:off x="0" y="0"/>
+          <a:ext cx="0" cy="0"/>
+          <a:chOff x="0" y="0"/>
+          <a:chExt cx="0" cy="0"/>
+        </a:xfrm>
+      </p:grpSpPr>
+      <p:sp>
+        <p:nvSpPr>
+          <p:cNvPr id="51" name="TextShape 1"/>
+          <p:cNvSpPr txBox="1"/>
+          <p:nvPr/>
+        </p:nvSpPr>
+        <p:spPr>
+          <a:xfrm>
+            <a:off x="504000" y="301320"/>
+            <a:ext cx="9071640" cy="1262160"/>
+          </a:xfrm>
+          <a:prstGeom prst="rect">
+            <a:avLst/>
+          </a:prstGeom>
+        </p:spPr>
+        <p:txBody>
+          <a:bodyPr anchor="ctr" bIns="0" lIns="0" rIns="0" tIns="0" wrap="none"/>
+          <a:p>
+            <a:pPr algn="ctr"/>
+            <a:r>
+              <a:rPr lang="en-GB"/>
+              <a:t>Evaluation (2)</a:t>
+            </a:r>
+            <a:endParaRPr/>
+          </a:p>
+        </p:txBody>
+      </p:sp>
+      <p:sp>
+        <p:nvSpPr>
+          <p:cNvPr id="52" name="TextShape 2"/>
+          <p:cNvSpPr txBox="1"/>
+          <p:nvPr/>
+        </p:nvSpPr>
+        <p:spPr>
+          <a:xfrm>
+            <a:off x="504000" y="1769040"/>
+            <a:ext cx="8870040" cy="4384440"/>
+          </a:xfrm>
+          <a:prstGeom prst="rect">
+            <a:avLst/>
+          </a:prstGeom>
+        </p:spPr>
+        <p:txBody>
+          <a:bodyPr bIns="0" lIns="0" rIns="0" tIns="0" wrap="none"/>
+          <a:p>
+            <a:pPr>
+              <a:buSzPct val="45000"/>
+              <a:buFont typeface="StarSymbol"/>
+              <a:buChar char=""/>
+            </a:pPr>
+            <a:r>
+              <a:rPr lang="en-GB"/>
+              <a:t>&lt;insert text&gt;</a:t>
+            </a:r>
+            <a:endParaRPr/>
+          </a:p>
+        </p:txBody>
+      </p:sp>
+    </p:spTree>
+  </p:cSld>
+  <p:timing>
+    <p:tnLst>
+      <p:par>
+        <p:cTn dur="indefinite" id="15" nodeType="tmRoot" restart="never">
+          <p:childTnLst>
+            <p:seq>
+              <p:cTn id="16" nodeType="mainSeq">
+                <p:childTnLst/>
+              </p:cTn>
+              <p:prevCondLst>
+                <p:cond delay="0" evt="onPrev">
+                  <p:tgtEl>
+                    <p:sldTgt/>
+                  </p:tgtEl>
+                </p:cond>
+              </p:prevCondLst>
+              <p:nextCondLst>
+                <p:cond delay="0" evt="onNext">
+                  <p:tgtEl>
+                    <p:sldTgt/>
+                  </p:tgtEl>
+                </p:cond>
+              </p:nextCondLst>
+            </p:seq>
+          </p:childTnLst>
+        </p:cTn>
+      </p:par>
+    </p:tnLst>
+  </p:timing>
+</p:sld>
+</file>
+
+<file path=ppt/slides/slide9.xml><?xml version="1.0" encoding="utf-8"?>
+<p:sld xmlns:a="http://schemas.openxmlformats.org/drawingml/2006/main" xmlns:p="http://schemas.openxmlformats.org/presentationml/2006/main" xmlns:r="http://schemas.openxmlformats.org/officeDocument/2006/relationships">
+  <p:cSld>
+    <p:spTree>
+      <p:nvGrpSpPr>
+        <p:cNvPr id="1" name=""/>
+        <p:cNvGrpSpPr/>
+        <p:nvPr/>
+      </p:nvGrpSpPr>
+      <p:grpSpPr>
+        <a:xfrm>
+          <a:off x="0" y="0"/>
+          <a:ext cx="0" cy="0"/>
+          <a:chOff x="0" y="0"/>
+          <a:chExt cx="0" cy="0"/>
+        </a:xfrm>
+      </p:grpSpPr>
+      <p:sp>
+        <p:nvSpPr>
+          <p:cNvPr id="53" name="TextShape 1"/>
+          <p:cNvSpPr txBox="1"/>
+          <p:nvPr/>
+        </p:nvSpPr>
+        <p:spPr>
+          <a:xfrm>
+            <a:off x="504000" y="301320"/>
+            <a:ext cx="9071640" cy="1262160"/>
+          </a:xfrm>
+          <a:prstGeom prst="rect">
+            <a:avLst/>
+          </a:prstGeom>
+        </p:spPr>
+        <p:txBody>
+          <a:bodyPr anchor="ctr" bIns="0" lIns="0" rIns="0" tIns="0" wrap="none"/>
+          <a:p>
+            <a:pPr algn="ctr"/>
+            <a:r>
+              <a:rPr lang="en-GB"/>
+              <a:t>Project Plan (1)</a:t>
+            </a:r>
+            <a:endParaRPr/>
+          </a:p>
+        </p:txBody>
+      </p:sp>
+      <p:sp>
+        <p:nvSpPr>
+          <p:cNvPr id="54" name="TextShape 2"/>
+          <p:cNvSpPr txBox="1"/>
+          <p:nvPr/>
+        </p:nvSpPr>
+        <p:spPr>
+          <a:xfrm>
+            <a:off x="504000" y="1769040"/>
+            <a:ext cx="8870040" cy="4384440"/>
+          </a:xfrm>
+          <a:prstGeom prst="rect">
+            <a:avLst/>
+          </a:prstGeom>
+        </p:spPr>
+        <p:txBody>
+          <a:bodyPr bIns="0" lIns="0" rIns="0" tIns="0" wrap="none"/>
+          <a:p>
+            <a:pPr>
+              <a:buSzPct val="45000"/>
+              <a:buFont typeface="StarSymbol"/>
+              <a:buChar char=""/>
+            </a:pPr>
+            <a:r>
+              <a:rPr lang="en-GB"/>
+              <a:t>&lt;insert text&gt;</a:t>
+            </a:r>
+            <a:endParaRPr/>
+          </a:p>
+        </p:txBody>
+      </p:sp>
+    </p:spTree>
+  </p:cSld>
+  <p:timing>
+    <p:tnLst>
+      <p:par>
+        <p:cTn dur="indefinite" id="17" nodeType="tmRoot" restart="never">
+          <p:childTnLst>
+            <p:seq>
+              <p:cTn id="18" nodeType="mainSeq">
                 <p:childTnLst/>
               </p:cTn>
               <p:prevCondLst>
